--- a/docpac_18130123/Weekly Review.pptx
+++ b/docpac_18130123/Weekly Review.pptx
@@ -10,7 +10,8 @@
     <p:sldId id="264" r:id="rId4"/>
     <p:sldId id="270" r:id="rId5"/>
     <p:sldId id="267" r:id="rId6"/>
-    <p:sldId id="265" r:id="rId7"/>
+    <p:sldId id="271" r:id="rId7"/>
+    <p:sldId id="265" r:id="rId8"/>
   </p:sldIdLst>
   <p:sldSz cx="12192000" cy="6858000"/>
   <p:notesSz cx="6858000" cy="9144000"/>
@@ -4807,6 +4808,248 @@
   <p:clrMapOvr>
     <a:masterClrMapping/>
   </p:clrMapOvr>
+  <p:timing>
+    <p:tnLst>
+      <p:par>
+        <p:cTn id="1" dur="indefinite" restart="never" nodeType="tmRoot">
+          <p:childTnLst>
+            <p:seq concurrent="1" nextAc="seek">
+              <p:cTn id="2" dur="indefinite" nodeType="mainSeq">
+                <p:childTnLst>
+                  <p:par>
+                    <p:cTn id="3" fill="hold">
+                      <p:stCondLst>
+                        <p:cond delay="indefinite"/>
+                      </p:stCondLst>
+                      <p:childTnLst>
+                        <p:par>
+                          <p:cTn id="4" fill="hold">
+                            <p:stCondLst>
+                              <p:cond delay="0"/>
+                            </p:stCondLst>
+                            <p:childTnLst>
+                              <p:par>
+                                <p:cTn id="5" presetID="1" presetClass="entr" presetSubtype="0" fill="hold" grpId="0" nodeType="clickEffect">
+                                  <p:stCondLst>
+                                    <p:cond delay="0"/>
+                                  </p:stCondLst>
+                                  <p:childTnLst>
+                                    <p:set>
+                                      <p:cBhvr>
+                                        <p:cTn id="6" dur="1" fill="hold">
+                                          <p:stCondLst>
+                                            <p:cond delay="0"/>
+                                          </p:stCondLst>
+                                        </p:cTn>
+                                        <p:tgtEl>
+                                          <p:spTgt spid="3">
+                                            <p:txEl>
+                                              <p:pRg st="0" end="0"/>
+                                            </p:txEl>
+                                          </p:spTgt>
+                                        </p:tgtEl>
+                                        <p:attrNameLst>
+                                          <p:attrName>style.visibility</p:attrName>
+                                        </p:attrNameLst>
+                                      </p:cBhvr>
+                                      <p:to>
+                                        <p:strVal val="visible"/>
+                                      </p:to>
+                                    </p:set>
+                                  </p:childTnLst>
+                                </p:cTn>
+                              </p:par>
+                            </p:childTnLst>
+                          </p:cTn>
+                        </p:par>
+                      </p:childTnLst>
+                    </p:cTn>
+                  </p:par>
+                  <p:par>
+                    <p:cTn id="7" fill="hold">
+                      <p:stCondLst>
+                        <p:cond delay="indefinite"/>
+                      </p:stCondLst>
+                      <p:childTnLst>
+                        <p:par>
+                          <p:cTn id="8" fill="hold">
+                            <p:stCondLst>
+                              <p:cond delay="0"/>
+                            </p:stCondLst>
+                            <p:childTnLst>
+                              <p:par>
+                                <p:cTn id="9" presetID="1" presetClass="entr" presetSubtype="0" fill="hold" grpId="0" nodeType="clickEffect">
+                                  <p:stCondLst>
+                                    <p:cond delay="0"/>
+                                  </p:stCondLst>
+                                  <p:childTnLst>
+                                    <p:set>
+                                      <p:cBhvr>
+                                        <p:cTn id="10" dur="1" fill="hold">
+                                          <p:stCondLst>
+                                            <p:cond delay="0"/>
+                                          </p:stCondLst>
+                                        </p:cTn>
+                                        <p:tgtEl>
+                                          <p:spTgt spid="3">
+                                            <p:txEl>
+                                              <p:pRg st="1" end="1"/>
+                                            </p:txEl>
+                                          </p:spTgt>
+                                        </p:tgtEl>
+                                        <p:attrNameLst>
+                                          <p:attrName>style.visibility</p:attrName>
+                                        </p:attrNameLst>
+                                      </p:cBhvr>
+                                      <p:to>
+                                        <p:strVal val="visible"/>
+                                      </p:to>
+                                    </p:set>
+                                  </p:childTnLst>
+                                </p:cTn>
+                              </p:par>
+                            </p:childTnLst>
+                          </p:cTn>
+                        </p:par>
+                      </p:childTnLst>
+                    </p:cTn>
+                  </p:par>
+                  <p:par>
+                    <p:cTn id="11" fill="hold">
+                      <p:stCondLst>
+                        <p:cond delay="indefinite"/>
+                      </p:stCondLst>
+                      <p:childTnLst>
+                        <p:par>
+                          <p:cTn id="12" fill="hold">
+                            <p:stCondLst>
+                              <p:cond delay="0"/>
+                            </p:stCondLst>
+                            <p:childTnLst>
+                              <p:par>
+                                <p:cTn id="13" presetID="1" presetClass="entr" presetSubtype="0" fill="hold" grpId="0" nodeType="clickEffect">
+                                  <p:stCondLst>
+                                    <p:cond delay="0"/>
+                                  </p:stCondLst>
+                                  <p:childTnLst>
+                                    <p:set>
+                                      <p:cBhvr>
+                                        <p:cTn id="14" dur="1" fill="hold">
+                                          <p:stCondLst>
+                                            <p:cond delay="0"/>
+                                          </p:stCondLst>
+                                        </p:cTn>
+                                        <p:tgtEl>
+                                          <p:spTgt spid="3">
+                                            <p:txEl>
+                                              <p:pRg st="2" end="2"/>
+                                            </p:txEl>
+                                          </p:spTgt>
+                                        </p:tgtEl>
+                                        <p:attrNameLst>
+                                          <p:attrName>style.visibility</p:attrName>
+                                        </p:attrNameLst>
+                                      </p:cBhvr>
+                                      <p:to>
+                                        <p:strVal val="visible"/>
+                                      </p:to>
+                                    </p:set>
+                                  </p:childTnLst>
+                                </p:cTn>
+                              </p:par>
+                              <p:par>
+                                <p:cTn id="15" presetID="1" presetClass="entr" presetSubtype="0" fill="hold" grpId="0" nodeType="withEffect">
+                                  <p:stCondLst>
+                                    <p:cond delay="0"/>
+                                  </p:stCondLst>
+                                  <p:childTnLst>
+                                    <p:set>
+                                      <p:cBhvr>
+                                        <p:cTn id="16" dur="1" fill="hold">
+                                          <p:stCondLst>
+                                            <p:cond delay="0"/>
+                                          </p:stCondLst>
+                                        </p:cTn>
+                                        <p:tgtEl>
+                                          <p:spTgt spid="3">
+                                            <p:txEl>
+                                              <p:pRg st="3" end="3"/>
+                                            </p:txEl>
+                                          </p:spTgt>
+                                        </p:tgtEl>
+                                        <p:attrNameLst>
+                                          <p:attrName>style.visibility</p:attrName>
+                                        </p:attrNameLst>
+                                      </p:cBhvr>
+                                      <p:to>
+                                        <p:strVal val="visible"/>
+                                      </p:to>
+                                    </p:set>
+                                  </p:childTnLst>
+                                </p:cTn>
+                              </p:par>
+                              <p:par>
+                                <p:cTn id="17" presetID="1" presetClass="entr" presetSubtype="0" fill="hold" grpId="0" nodeType="withEffect">
+                                  <p:stCondLst>
+                                    <p:cond delay="0"/>
+                                  </p:stCondLst>
+                                  <p:childTnLst>
+                                    <p:set>
+                                      <p:cBhvr>
+                                        <p:cTn id="18" dur="1" fill="hold">
+                                          <p:stCondLst>
+                                            <p:cond delay="0"/>
+                                          </p:stCondLst>
+                                        </p:cTn>
+                                        <p:tgtEl>
+                                          <p:spTgt spid="3">
+                                            <p:txEl>
+                                              <p:pRg st="4" end="4"/>
+                                            </p:txEl>
+                                          </p:spTgt>
+                                        </p:tgtEl>
+                                        <p:attrNameLst>
+                                          <p:attrName>style.visibility</p:attrName>
+                                        </p:attrNameLst>
+                                      </p:cBhvr>
+                                      <p:to>
+                                        <p:strVal val="visible"/>
+                                      </p:to>
+                                    </p:set>
+                                  </p:childTnLst>
+                                </p:cTn>
+                              </p:par>
+                            </p:childTnLst>
+                          </p:cTn>
+                        </p:par>
+                      </p:childTnLst>
+                    </p:cTn>
+                  </p:par>
+                </p:childTnLst>
+              </p:cTn>
+              <p:prevCondLst>
+                <p:cond evt="onPrev" delay="0">
+                  <p:tgtEl>
+                    <p:sldTgt/>
+                  </p:tgtEl>
+                </p:cond>
+              </p:prevCondLst>
+              <p:nextCondLst>
+                <p:cond evt="onNext" delay="0">
+                  <p:tgtEl>
+                    <p:sldTgt/>
+                  </p:tgtEl>
+                </p:cond>
+              </p:nextCondLst>
+            </p:seq>
+          </p:childTnLst>
+        </p:cTn>
+      </p:par>
+    </p:tnLst>
+    <p:bldLst>
+      <p:bldP spid="3" grpId="0" build="p"/>
+    </p:bldLst>
+  </p:timing>
 </p:sld>
 </file>
 
@@ -4894,6 +5137,569 @@
 </file>
 
 <file path=ppt/slides/slide6.xml><?xml version="1.0" encoding="utf-8"?>
+<p:sld xmlns:a="http://schemas.openxmlformats.org/drawingml/2006/main" xmlns:r="http://schemas.openxmlformats.org/officeDocument/2006/relationships" xmlns:p="http://schemas.openxmlformats.org/presentationml/2006/main">
+  <p:cSld>
+    <p:spTree>
+      <p:nvGrpSpPr>
+        <p:cNvPr id="1" name=""/>
+        <p:cNvGrpSpPr/>
+        <p:nvPr/>
+      </p:nvGrpSpPr>
+      <p:grpSpPr>
+        <a:xfrm>
+          <a:off x="0" y="0"/>
+          <a:ext cx="0" cy="0"/>
+          <a:chOff x="0" y="0"/>
+          <a:chExt cx="0" cy="0"/>
+        </a:xfrm>
+      </p:grpSpPr>
+      <p:sp>
+        <p:nvSpPr>
+          <p:cNvPr id="2" name="Title 1">
+            <a:extLst>
+              <a:ext uri="{FF2B5EF4-FFF2-40B4-BE49-F238E27FC236}">
+                <a16:creationId xmlns:a16="http://schemas.microsoft.com/office/drawing/2014/main" id="{A0BADC9C-B0C2-4A97-AD20-7B2AB9104079}"/>
+              </a:ext>
+            </a:extLst>
+          </p:cNvPr>
+          <p:cNvSpPr>
+            <a:spLocks noGrp="1"/>
+          </p:cNvSpPr>
+          <p:nvPr>
+            <p:ph type="title"/>
+          </p:nvPr>
+        </p:nvSpPr>
+        <p:spPr/>
+        <p:txBody>
+          <a:bodyPr/>
+          <a:lstStyle/>
+          <a:p>
+            <a:r>
+              <a:rPr lang="en-US" dirty="0"/>
+              <a:t>I was sick</a:t>
+            </a:r>
+          </a:p>
+        </p:txBody>
+      </p:sp>
+      <p:sp>
+        <p:nvSpPr>
+          <p:cNvPr id="3" name="Content Placeholder 2">
+            <a:extLst>
+              <a:ext uri="{FF2B5EF4-FFF2-40B4-BE49-F238E27FC236}">
+                <a16:creationId xmlns:a16="http://schemas.microsoft.com/office/drawing/2014/main" id="{42F0186F-F521-473B-AF74-DB668D670392}"/>
+              </a:ext>
+            </a:extLst>
+          </p:cNvPr>
+          <p:cNvSpPr>
+            <a:spLocks noGrp="1"/>
+          </p:cNvSpPr>
+          <p:nvPr>
+            <p:ph idx="1"/>
+          </p:nvPr>
+        </p:nvSpPr>
+        <p:spPr/>
+        <p:txBody>
+          <a:bodyPr>
+            <a:normAutofit/>
+          </a:bodyPr>
+          <a:lstStyle/>
+          <a:p>
+            <a:r>
+              <a:rPr lang="en-US" dirty="0"/>
+              <a:t>Sunday 10am: Feel great, but I got a little bit of something in my chest</a:t>
+            </a:r>
+          </a:p>
+          <a:p>
+            <a:r>
+              <a:rPr lang="en-US" dirty="0"/>
+              <a:t>Sunday 4pm: Not going to school tomorrow</a:t>
+            </a:r>
+          </a:p>
+          <a:p>
+            <a:r>
+              <a:rPr lang="en-US" dirty="0"/>
+              <a:t>Sunday 6pm: </a:t>
+            </a:r>
+            <a:r>
+              <a:rPr lang="en-US" dirty="0" err="1"/>
+              <a:t>Gonna</a:t>
+            </a:r>
+            <a:r>
+              <a:rPr lang="en-US" dirty="0"/>
+              <a:t> lay in bed and watch anime</a:t>
+            </a:r>
+          </a:p>
+          <a:p>
+            <a:r>
+              <a:rPr lang="en-US" dirty="0"/>
+              <a:t>Sunday 9pm: Wrapped in 20 blankets trying not to die</a:t>
+            </a:r>
+          </a:p>
+          <a:p>
+            <a:r>
+              <a:rPr lang="en-US" dirty="0"/>
+              <a:t>Monday 6am: Too sick to make sub plans. Might go to hospital</a:t>
+            </a:r>
+          </a:p>
+          <a:p>
+            <a:r>
+              <a:rPr lang="en-US" dirty="0"/>
+              <a:t>Monday 12pm: Feel totally fine. Wish I went to school</a:t>
+            </a:r>
+          </a:p>
+          <a:p>
+            <a:r>
+              <a:rPr lang="en-US" dirty="0"/>
+              <a:t>Monday 3pm: Might as well go buy Breath of the Wild again</a:t>
+            </a:r>
+          </a:p>
+          <a:p>
+            <a:r>
+              <a:rPr lang="en-US" dirty="0"/>
+              <a:t>Tuesday 6am: Feel fine, but my body has no idea what temperature is</a:t>
+            </a:r>
+          </a:p>
+        </p:txBody>
+      </p:sp>
+    </p:spTree>
+    <p:extLst>
+      <p:ext uri="{BB962C8B-B14F-4D97-AF65-F5344CB8AC3E}">
+        <p14:creationId xmlns:p14="http://schemas.microsoft.com/office/powerpoint/2010/main" val="3844334827"/>
+      </p:ext>
+    </p:extLst>
+  </p:cSld>
+  <p:clrMapOvr>
+    <a:masterClrMapping/>
+  </p:clrMapOvr>
+  <p:timing>
+    <p:tnLst>
+      <p:par>
+        <p:cTn id="1" dur="indefinite" restart="never" nodeType="tmRoot">
+          <p:childTnLst>
+            <p:seq concurrent="1" nextAc="seek">
+              <p:cTn id="2" dur="indefinite" nodeType="mainSeq">
+                <p:childTnLst>
+                  <p:par>
+                    <p:cTn id="3" fill="hold">
+                      <p:stCondLst>
+                        <p:cond delay="indefinite"/>
+                      </p:stCondLst>
+                      <p:childTnLst>
+                        <p:par>
+                          <p:cTn id="4" fill="hold">
+                            <p:stCondLst>
+                              <p:cond delay="0"/>
+                            </p:stCondLst>
+                            <p:childTnLst>
+                              <p:par>
+                                <p:cTn id="5" presetID="1" presetClass="entr" presetSubtype="0" fill="hold" grpId="0" nodeType="clickEffect">
+                                  <p:stCondLst>
+                                    <p:cond delay="0"/>
+                                  </p:stCondLst>
+                                  <p:childTnLst>
+                                    <p:set>
+                                      <p:cBhvr>
+                                        <p:cTn id="6" dur="1" fill="hold">
+                                          <p:stCondLst>
+                                            <p:cond delay="0"/>
+                                          </p:stCondLst>
+                                        </p:cTn>
+                                        <p:tgtEl>
+                                          <p:spTgt spid="3">
+                                            <p:txEl>
+                                              <p:pRg st="0" end="0"/>
+                                            </p:txEl>
+                                          </p:spTgt>
+                                        </p:tgtEl>
+                                        <p:attrNameLst>
+                                          <p:attrName>style.visibility</p:attrName>
+                                        </p:attrNameLst>
+                                      </p:cBhvr>
+                                      <p:to>
+                                        <p:strVal val="visible"/>
+                                      </p:to>
+                                    </p:set>
+                                  </p:childTnLst>
+                                </p:cTn>
+                              </p:par>
+                            </p:childTnLst>
+                          </p:cTn>
+                        </p:par>
+                      </p:childTnLst>
+                    </p:cTn>
+                  </p:par>
+                  <p:par>
+                    <p:cTn id="7" fill="hold">
+                      <p:stCondLst>
+                        <p:cond delay="indefinite"/>
+                      </p:stCondLst>
+                      <p:childTnLst>
+                        <p:par>
+                          <p:cTn id="8" fill="hold">
+                            <p:stCondLst>
+                              <p:cond delay="0"/>
+                            </p:stCondLst>
+                            <p:childTnLst>
+                              <p:par>
+                                <p:cTn id="9" presetID="1" presetClass="entr" presetSubtype="0" fill="hold" grpId="0" nodeType="clickEffect">
+                                  <p:stCondLst>
+                                    <p:cond delay="0"/>
+                                  </p:stCondLst>
+                                  <p:childTnLst>
+                                    <p:set>
+                                      <p:cBhvr>
+                                        <p:cTn id="10" dur="1" fill="hold">
+                                          <p:stCondLst>
+                                            <p:cond delay="0"/>
+                                          </p:stCondLst>
+                                        </p:cTn>
+                                        <p:tgtEl>
+                                          <p:spTgt spid="3">
+                                            <p:txEl>
+                                              <p:pRg st="1" end="1"/>
+                                            </p:txEl>
+                                          </p:spTgt>
+                                        </p:tgtEl>
+                                        <p:attrNameLst>
+                                          <p:attrName>style.visibility</p:attrName>
+                                        </p:attrNameLst>
+                                      </p:cBhvr>
+                                      <p:to>
+                                        <p:strVal val="visible"/>
+                                      </p:to>
+                                    </p:set>
+                                  </p:childTnLst>
+                                </p:cTn>
+                              </p:par>
+                            </p:childTnLst>
+                          </p:cTn>
+                        </p:par>
+                      </p:childTnLst>
+                    </p:cTn>
+                  </p:par>
+                  <p:par>
+                    <p:cTn id="11" fill="hold">
+                      <p:stCondLst>
+                        <p:cond delay="indefinite"/>
+                      </p:stCondLst>
+                      <p:childTnLst>
+                        <p:par>
+                          <p:cTn id="12" fill="hold">
+                            <p:stCondLst>
+                              <p:cond delay="0"/>
+                            </p:stCondLst>
+                            <p:childTnLst>
+                              <p:par>
+                                <p:cTn id="13" presetID="1" presetClass="entr" presetSubtype="0" fill="hold" grpId="0" nodeType="clickEffect">
+                                  <p:stCondLst>
+                                    <p:cond delay="0"/>
+                                  </p:stCondLst>
+                                  <p:childTnLst>
+                                    <p:set>
+                                      <p:cBhvr>
+                                        <p:cTn id="14" dur="1" fill="hold">
+                                          <p:stCondLst>
+                                            <p:cond delay="0"/>
+                                          </p:stCondLst>
+                                        </p:cTn>
+                                        <p:tgtEl>
+                                          <p:spTgt spid="3">
+                                            <p:txEl>
+                                              <p:pRg st="2" end="2"/>
+                                            </p:txEl>
+                                          </p:spTgt>
+                                        </p:tgtEl>
+                                        <p:attrNameLst>
+                                          <p:attrName>style.visibility</p:attrName>
+                                        </p:attrNameLst>
+                                      </p:cBhvr>
+                                      <p:to>
+                                        <p:strVal val="visible"/>
+                                      </p:to>
+                                    </p:set>
+                                  </p:childTnLst>
+                                </p:cTn>
+                              </p:par>
+                            </p:childTnLst>
+                          </p:cTn>
+                        </p:par>
+                      </p:childTnLst>
+                    </p:cTn>
+                  </p:par>
+                  <p:par>
+                    <p:cTn id="15" fill="hold">
+                      <p:stCondLst>
+                        <p:cond delay="indefinite"/>
+                      </p:stCondLst>
+                      <p:childTnLst>
+                        <p:par>
+                          <p:cTn id="16" fill="hold">
+                            <p:stCondLst>
+                              <p:cond delay="0"/>
+                            </p:stCondLst>
+                            <p:childTnLst>
+                              <p:par>
+                                <p:cTn id="17" presetID="1" presetClass="entr" presetSubtype="0" fill="hold" grpId="0" nodeType="clickEffect">
+                                  <p:stCondLst>
+                                    <p:cond delay="0"/>
+                                  </p:stCondLst>
+                                  <p:childTnLst>
+                                    <p:set>
+                                      <p:cBhvr>
+                                        <p:cTn id="18" dur="1" fill="hold">
+                                          <p:stCondLst>
+                                            <p:cond delay="0"/>
+                                          </p:stCondLst>
+                                        </p:cTn>
+                                        <p:tgtEl>
+                                          <p:spTgt spid="3">
+                                            <p:txEl>
+                                              <p:pRg st="3" end="3"/>
+                                            </p:txEl>
+                                          </p:spTgt>
+                                        </p:tgtEl>
+                                        <p:attrNameLst>
+                                          <p:attrName>style.visibility</p:attrName>
+                                        </p:attrNameLst>
+                                      </p:cBhvr>
+                                      <p:to>
+                                        <p:strVal val="visible"/>
+                                      </p:to>
+                                    </p:set>
+                                  </p:childTnLst>
+                                </p:cTn>
+                              </p:par>
+                            </p:childTnLst>
+                          </p:cTn>
+                        </p:par>
+                      </p:childTnLst>
+                    </p:cTn>
+                  </p:par>
+                  <p:par>
+                    <p:cTn id="19" fill="hold">
+                      <p:stCondLst>
+                        <p:cond delay="indefinite"/>
+                      </p:stCondLst>
+                      <p:childTnLst>
+                        <p:par>
+                          <p:cTn id="20" fill="hold">
+                            <p:stCondLst>
+                              <p:cond delay="0"/>
+                            </p:stCondLst>
+                            <p:childTnLst>
+                              <p:par>
+                                <p:cTn id="21" presetID="1" presetClass="entr" presetSubtype="0" fill="hold" grpId="0" nodeType="clickEffect">
+                                  <p:stCondLst>
+                                    <p:cond delay="0"/>
+                                  </p:stCondLst>
+                                  <p:childTnLst>
+                                    <p:set>
+                                      <p:cBhvr>
+                                        <p:cTn id="22" dur="1" fill="hold">
+                                          <p:stCondLst>
+                                            <p:cond delay="0"/>
+                                          </p:stCondLst>
+                                        </p:cTn>
+                                        <p:tgtEl>
+                                          <p:spTgt spid="3">
+                                            <p:txEl>
+                                              <p:pRg st="4" end="4"/>
+                                            </p:txEl>
+                                          </p:spTgt>
+                                        </p:tgtEl>
+                                        <p:attrNameLst>
+                                          <p:attrName>style.visibility</p:attrName>
+                                        </p:attrNameLst>
+                                      </p:cBhvr>
+                                      <p:to>
+                                        <p:strVal val="visible"/>
+                                      </p:to>
+                                    </p:set>
+                                  </p:childTnLst>
+                                </p:cTn>
+                              </p:par>
+                            </p:childTnLst>
+                          </p:cTn>
+                        </p:par>
+                      </p:childTnLst>
+                    </p:cTn>
+                  </p:par>
+                  <p:par>
+                    <p:cTn id="23" fill="hold">
+                      <p:stCondLst>
+                        <p:cond delay="indefinite"/>
+                      </p:stCondLst>
+                      <p:childTnLst>
+                        <p:par>
+                          <p:cTn id="24" fill="hold">
+                            <p:stCondLst>
+                              <p:cond delay="0"/>
+                            </p:stCondLst>
+                            <p:childTnLst>
+                              <p:par>
+                                <p:cTn id="25" presetID="1" presetClass="entr" presetSubtype="0" fill="hold" grpId="0" nodeType="clickEffect">
+                                  <p:stCondLst>
+                                    <p:cond delay="0"/>
+                                  </p:stCondLst>
+                                  <p:childTnLst>
+                                    <p:set>
+                                      <p:cBhvr>
+                                        <p:cTn id="26" dur="1" fill="hold">
+                                          <p:stCondLst>
+                                            <p:cond delay="0"/>
+                                          </p:stCondLst>
+                                        </p:cTn>
+                                        <p:tgtEl>
+                                          <p:spTgt spid="3">
+                                            <p:txEl>
+                                              <p:pRg st="5" end="5"/>
+                                            </p:txEl>
+                                          </p:spTgt>
+                                        </p:tgtEl>
+                                        <p:attrNameLst>
+                                          <p:attrName>style.visibility</p:attrName>
+                                        </p:attrNameLst>
+                                      </p:cBhvr>
+                                      <p:to>
+                                        <p:strVal val="visible"/>
+                                      </p:to>
+                                    </p:set>
+                                  </p:childTnLst>
+                                </p:cTn>
+                              </p:par>
+                            </p:childTnLst>
+                          </p:cTn>
+                        </p:par>
+                      </p:childTnLst>
+                    </p:cTn>
+                  </p:par>
+                  <p:par>
+                    <p:cTn id="27" fill="hold">
+                      <p:stCondLst>
+                        <p:cond delay="indefinite"/>
+                      </p:stCondLst>
+                      <p:childTnLst>
+                        <p:par>
+                          <p:cTn id="28" fill="hold">
+                            <p:stCondLst>
+                              <p:cond delay="0"/>
+                            </p:stCondLst>
+                            <p:childTnLst>
+                              <p:par>
+                                <p:cTn id="29" presetID="1" presetClass="entr" presetSubtype="0" fill="hold" grpId="0" nodeType="clickEffect">
+                                  <p:stCondLst>
+                                    <p:cond delay="0"/>
+                                  </p:stCondLst>
+                                  <p:childTnLst>
+                                    <p:set>
+                                      <p:cBhvr>
+                                        <p:cTn id="30" dur="1" fill="hold">
+                                          <p:stCondLst>
+                                            <p:cond delay="0"/>
+                                          </p:stCondLst>
+                                        </p:cTn>
+                                        <p:tgtEl>
+                                          <p:spTgt spid="3">
+                                            <p:txEl>
+                                              <p:pRg st="6" end="6"/>
+                                            </p:txEl>
+                                          </p:spTgt>
+                                        </p:tgtEl>
+                                        <p:attrNameLst>
+                                          <p:attrName>style.visibility</p:attrName>
+                                        </p:attrNameLst>
+                                      </p:cBhvr>
+                                      <p:to>
+                                        <p:strVal val="visible"/>
+                                      </p:to>
+                                    </p:set>
+                                  </p:childTnLst>
+                                </p:cTn>
+                              </p:par>
+                            </p:childTnLst>
+                          </p:cTn>
+                        </p:par>
+                      </p:childTnLst>
+                    </p:cTn>
+                  </p:par>
+                  <p:par>
+                    <p:cTn id="31" fill="hold">
+                      <p:stCondLst>
+                        <p:cond delay="indefinite"/>
+                      </p:stCondLst>
+                      <p:childTnLst>
+                        <p:par>
+                          <p:cTn id="32" fill="hold">
+                            <p:stCondLst>
+                              <p:cond delay="0"/>
+                            </p:stCondLst>
+                            <p:childTnLst>
+                              <p:par>
+                                <p:cTn id="33" presetID="1" presetClass="entr" presetSubtype="0" fill="hold" grpId="0" nodeType="clickEffect">
+                                  <p:stCondLst>
+                                    <p:cond delay="0"/>
+                                  </p:stCondLst>
+                                  <p:childTnLst>
+                                    <p:set>
+                                      <p:cBhvr>
+                                        <p:cTn id="34" dur="1" fill="hold">
+                                          <p:stCondLst>
+                                            <p:cond delay="0"/>
+                                          </p:stCondLst>
+                                        </p:cTn>
+                                        <p:tgtEl>
+                                          <p:spTgt spid="3">
+                                            <p:txEl>
+                                              <p:pRg st="7" end="7"/>
+                                            </p:txEl>
+                                          </p:spTgt>
+                                        </p:tgtEl>
+                                        <p:attrNameLst>
+                                          <p:attrName>style.visibility</p:attrName>
+                                        </p:attrNameLst>
+                                      </p:cBhvr>
+                                      <p:to>
+                                        <p:strVal val="visible"/>
+                                      </p:to>
+                                    </p:set>
+                                  </p:childTnLst>
+                                </p:cTn>
+                              </p:par>
+                            </p:childTnLst>
+                          </p:cTn>
+                        </p:par>
+                      </p:childTnLst>
+                    </p:cTn>
+                  </p:par>
+                </p:childTnLst>
+              </p:cTn>
+              <p:prevCondLst>
+                <p:cond evt="onPrev" delay="0">
+                  <p:tgtEl>
+                    <p:sldTgt/>
+                  </p:tgtEl>
+                </p:cond>
+              </p:prevCondLst>
+              <p:nextCondLst>
+                <p:cond evt="onNext" delay="0">
+                  <p:tgtEl>
+                    <p:sldTgt/>
+                  </p:tgtEl>
+                </p:cond>
+              </p:nextCondLst>
+            </p:seq>
+          </p:childTnLst>
+        </p:cTn>
+      </p:par>
+    </p:tnLst>
+    <p:bldLst>
+      <p:bldP spid="3" grpId="0" build="p"/>
+    </p:bldLst>
+  </p:timing>
+</p:sld>
+</file>
+
+<file path=ppt/slides/slide7.xml><?xml version="1.0" encoding="utf-8"?>
 <p:sld xmlns:a="http://schemas.openxmlformats.org/drawingml/2006/main" xmlns:r="http://schemas.openxmlformats.org/officeDocument/2006/relationships" xmlns:p="http://schemas.openxmlformats.org/presentationml/2006/main">
   <p:cSld>
     <p:spTree>
